--- a/Final_presentation_MSSM.pptx
+++ b/Final_presentation_MSSM.pptx
@@ -511,7 +511,7 @@
               <a:pPr>
                 <a:defRPr/>
               </a:pPr>
-              <a:t>19.12.16</a:t>
+              <a:t>20.12.16</a:t>
             </a:fld>
             <a:endParaRPr lang="de-DE"/>
           </a:p>
@@ -730,7 +730,7 @@
               <a:pPr>
                 <a:defRPr/>
               </a:pPr>
-              <a:t>19.12.16</a:t>
+              <a:t>20.12.16</a:t>
             </a:fld>
             <a:endParaRPr lang="de-DE"/>
           </a:p>
@@ -1394,7 +1394,7 @@
           <a:graphicData uri="http://schemas.openxmlformats.org/presentationml/2006/ole">
             <mc:AlternateContent xmlns:mc="http://schemas.openxmlformats.org/markup-compatibility/2006">
               <mc:Choice xmlns:v="urn:schemas-microsoft-com:vml" Requires="v">
-                <p:oleObj spid="_x0000_s12855" name="think-cell Slide" r:id="rId4" imgW="0" imgH="0" progId="">
+                <p:oleObj spid="_x0000_s12857" name="think-cell Slide" r:id="rId4" imgW="0" imgH="0" progId="">
                   <p:embed/>
                 </p:oleObj>
               </mc:Choice>
@@ -1433,7 +1433,7 @@
                       <a:noFill/>
                       <a:extLst>
                         <a:ext uri="{909E8E84-426E-40dd-AFC4-6F175D3DCCD1}">
-                          <a14:hiddenFill xmlns="" xmlns:a14="http://schemas.microsoft.com/office/drawing/2010/main">
+                          <a14:hiddenFill xmlns:a14="http://schemas.microsoft.com/office/drawing/2010/main" xmlns="">
                             <a:solidFill>
                               <a:srgbClr val="FFFFFF"/>
                             </a:solidFill>
@@ -2155,7 +2155,7 @@
           <a:p>
             <a:fld id="{5429ABCA-B882-C847-AC6B-D5668849404F}" type="datetimeFigureOut">
               <a:rPr lang="en-US" smtClean="0"/>
-              <a:t>12/19/16</a:t>
+              <a:t>12/20/16</a:t>
             </a:fld>
             <a:endParaRPr lang="en-US"/>
           </a:p>
@@ -2284,14 +2284,14 @@
           </a:ln>
           <a:extLst>
             <a:ext uri="{909E8E84-426E-40dd-AFC4-6F175D3DCCD1}">
-              <a14:hiddenFill xmlns="" xmlns:a14="http://schemas.microsoft.com/office/drawing/2010/main">
+              <a14:hiddenFill xmlns:a14="http://schemas.microsoft.com/office/drawing/2010/main" xmlns="">
                 <a:solidFill>
                   <a:srgbClr val="FFFFFF"/>
                 </a:solidFill>
               </a14:hiddenFill>
             </a:ext>
             <a:ext uri="{91240B29-F687-4f45-9708-019B960494DF}">
-              <a14:hiddenLine xmlns="" xmlns:a14="http://schemas.microsoft.com/office/drawing/2010/main" w="9525">
+              <a14:hiddenLine xmlns:a14="http://schemas.microsoft.com/office/drawing/2010/main" xmlns="" w="9525">
                 <a:solidFill>
                   <a:srgbClr val="000000"/>
                 </a:solidFill>
@@ -2345,14 +2345,14 @@
           </a:ln>
           <a:extLst>
             <a:ext uri="{909E8E84-426E-40dd-AFC4-6F175D3DCCD1}">
-              <a14:hiddenFill xmlns="" xmlns:a14="http://schemas.microsoft.com/office/drawing/2010/main">
+              <a14:hiddenFill xmlns:a14="http://schemas.microsoft.com/office/drawing/2010/main" xmlns="">
                 <a:solidFill>
                   <a:srgbClr val="FFFFFF"/>
                 </a:solidFill>
               </a14:hiddenFill>
             </a:ext>
             <a:ext uri="{91240B29-F687-4f45-9708-019B960494DF}">
-              <a14:hiddenLine xmlns="" xmlns:a14="http://schemas.microsoft.com/office/drawing/2010/main" w="9525">
+              <a14:hiddenLine xmlns:a14="http://schemas.microsoft.com/office/drawing/2010/main" xmlns="" w="9525">
                 <a:solidFill>
                   <a:srgbClr val="000000"/>
                 </a:solidFill>
@@ -2662,7 +2662,7 @@
           <a:graphicData uri="http://schemas.openxmlformats.org/presentationml/2006/ole">
             <mc:AlternateContent xmlns:mc="http://schemas.openxmlformats.org/markup-compatibility/2006">
               <mc:Choice xmlns:v="urn:schemas-microsoft-com:vml" Requires="v">
-                <p:oleObj spid="_x0000_s1616" name="think-cell Slide" r:id="rId14" imgW="0" imgH="0" progId="">
+                <p:oleObj spid="_x0000_s1618" name="think-cell Slide" r:id="rId14" imgW="0" imgH="0" progId="">
                   <p:embed/>
                 </p:oleObj>
               </mc:Choice>
@@ -2701,7 +2701,7 @@
                       <a:noFill/>
                       <a:extLst>
                         <a:ext uri="{909E8E84-426E-40dd-AFC4-6F175D3DCCD1}">
-                          <a14:hiddenFill xmlns="" xmlns:a14="http://schemas.microsoft.com/office/drawing/2010/main">
+                          <a14:hiddenFill xmlns:a14="http://schemas.microsoft.com/office/drawing/2010/main" xmlns="">
                             <a:solidFill>
                               <a:srgbClr val="FFFFFF"/>
                             </a:solidFill>
@@ -3838,14 +3838,14 @@
           </a:ln>
           <a:extLst>
             <a:ext uri="{909E8E84-426E-40dd-AFC4-6F175D3DCCD1}">
-              <a14:hiddenFill xmlns="" xmlns:a14="http://schemas.microsoft.com/office/drawing/2010/main">
+              <a14:hiddenFill xmlns:a14="http://schemas.microsoft.com/office/drawing/2010/main" xmlns="">
                 <a:solidFill>
                   <a:srgbClr val="FFFFFF"/>
                 </a:solidFill>
               </a14:hiddenFill>
             </a:ext>
             <a:ext uri="{91240B29-F687-4f45-9708-019B960494DF}">
-              <a14:hiddenLine xmlns="" xmlns:a14="http://schemas.microsoft.com/office/drawing/2010/main" w="9525">
+              <a14:hiddenLine xmlns:a14="http://schemas.microsoft.com/office/drawing/2010/main" xmlns="" w="9525">
                 <a:solidFill>
                   <a:srgbClr val="000000"/>
                 </a:solidFill>
@@ -5314,11 +5314,6 @@
               </a:rPr>
               <a:t> 2010-2014:</a:t>
             </a:r>
-            <a:endParaRPr lang="de-DE" sz="1800" kern="0" dirty="0">
-              <a:solidFill>
-                <a:schemeClr val="accent1"/>
-              </a:solidFill>
-            </a:endParaRPr>
           </a:p>
         </p:txBody>
       </p:sp>
@@ -5952,21 +5947,13 @@
             <a:p>
               <a:r>
                 <a:rPr lang="en-US" dirty="0" smtClean="0"/>
-                <a:t>Coefficient </a:t>
-              </a:r>
-              <a:r>
-                <a:rPr lang="en-US" dirty="0" smtClean="0"/>
-                <a:t>of </a:t>
+                <a:t>Coefficient of </a:t>
               </a:r>
             </a:p>
             <a:p>
               <a:r>
                 <a:rPr lang="en-US" dirty="0" smtClean="0"/>
-                <a:t>determination</a:t>
-              </a:r>
-              <a:r>
-                <a:rPr lang="en-US" dirty="0" smtClean="0"/>
-                <a:t>:</a:t>
+                <a:t>determination:</a:t>
               </a:r>
             </a:p>
             <a:p>
@@ -6217,7 +6204,7 @@
           <a:graphicData uri="http://schemas.openxmlformats.org/presentationml/2006/ole">
             <mc:AlternateContent xmlns:mc="http://schemas.openxmlformats.org/markup-compatibility/2006">
               <mc:Choice xmlns:v="urn:schemas-microsoft-com:vml" Requires="v">
-                <p:oleObj spid="_x0000_s26646" name="think-cell Folie" r:id="rId5" imgW="0" imgH="0" progId="TCLayout.ActiveDocument.1">
+                <p:oleObj spid="_x0000_s26648" name="think-cell Folie" r:id="rId5" imgW="0" imgH="0" progId="TCLayout.ActiveDocument.1">
                   <p:embed/>
                 </p:oleObj>
               </mc:Choice>
@@ -6256,7 +6243,7 @@
                       <a:noFill/>
                       <a:extLst>
                         <a:ext uri="{909E8E84-426E-40dd-AFC4-6F175D3DCCD1}">
-                          <a14:hiddenFill xmlns="" xmlns:a14="http://schemas.microsoft.com/office/drawing/2010/main">
+                          <a14:hiddenFill xmlns:a14="http://schemas.microsoft.com/office/drawing/2010/main" xmlns="">
                             <a:solidFill>
                               <a:srgbClr val="FFFFFF"/>
                             </a:solidFill>
@@ -6323,14 +6310,14 @@
           </a:ln>
           <a:extLst>
             <a:ext uri="{909E8E84-426E-40dd-AFC4-6F175D3DCCD1}">
-              <a14:hiddenFill xmlns="" xmlns:a14="http://schemas.microsoft.com/office/drawing/2010/main">
+              <a14:hiddenFill xmlns:a14="http://schemas.microsoft.com/office/drawing/2010/main" xmlns="">
                 <a:solidFill>
                   <a:srgbClr val="FFFFFF"/>
                 </a:solidFill>
               </a14:hiddenFill>
             </a:ext>
             <a:ext uri="{91240B29-F687-4f45-9708-019B960494DF}">
-              <a14:hiddenLine xmlns="" xmlns:a14="http://schemas.microsoft.com/office/drawing/2010/main" w="9525">
+              <a14:hiddenLine xmlns:a14="http://schemas.microsoft.com/office/drawing/2010/main" xmlns="" w="9525">
                 <a:solidFill>
                   <a:srgbClr val="000000"/>
                 </a:solidFill>
@@ -8509,11 +8496,6 @@
               </a:rPr>
               <a:t> 2015</a:t>
             </a:r>
-            <a:endParaRPr lang="de-DE" sz="1800" kern="0" dirty="0">
-              <a:solidFill>
-                <a:schemeClr val="accent1"/>
-              </a:solidFill>
-            </a:endParaRPr>
           </a:p>
         </p:txBody>
       </p:sp>
@@ -10197,15 +10179,7 @@
                   <a:srgbClr val="009EE0"/>
                 </a:solidFill>
               </a:rPr>
-              <a:t>„Turke</a:t>
-            </a:r>
-            <a:r>
-              <a:rPr lang="de-DE" sz="1400" dirty="0" smtClean="0">
-                <a:solidFill>
-                  <a:srgbClr val="009EE0"/>
-                </a:solidFill>
-              </a:rPr>
-              <a:t>y </a:t>
+              <a:t>„Turkey </a:t>
             </a:r>
             <a:r>
               <a:rPr lang="de-DE" sz="1400" dirty="0" err="1" smtClean="0">
@@ -15141,7 +15115,7 @@
           <a:graphicData uri="http://schemas.openxmlformats.org/presentationml/2006/ole">
             <mc:AlternateContent xmlns:mc="http://schemas.openxmlformats.org/markup-compatibility/2006">
               <mc:Choice xmlns:v="urn:schemas-microsoft-com:vml" Requires="v">
-                <p:oleObj spid="_x0000_s25622" name="think-cell Folie" r:id="rId5" imgW="0" imgH="0" progId="TCLayout.ActiveDocument.1">
+                <p:oleObj spid="_x0000_s25624" name="think-cell Folie" r:id="rId5" imgW="0" imgH="0" progId="TCLayout.ActiveDocument.1">
                   <p:embed/>
                 </p:oleObj>
               </mc:Choice>
@@ -15180,7 +15154,7 @@
                       <a:noFill/>
                       <a:extLst>
                         <a:ext uri="{909E8E84-426E-40dd-AFC4-6F175D3DCCD1}">
-                          <a14:hiddenFill xmlns="" xmlns:a14="http://schemas.microsoft.com/office/drawing/2010/main">
+                          <a14:hiddenFill xmlns:a14="http://schemas.microsoft.com/office/drawing/2010/main" xmlns="">
                             <a:solidFill>
                               <a:srgbClr val="FFFFFF"/>
                             </a:solidFill>
@@ -15247,14 +15221,14 @@
           </a:ln>
           <a:extLst>
             <a:ext uri="{909E8E84-426E-40dd-AFC4-6F175D3DCCD1}">
-              <a14:hiddenFill xmlns="" xmlns:a14="http://schemas.microsoft.com/office/drawing/2010/main">
+              <a14:hiddenFill xmlns:a14="http://schemas.microsoft.com/office/drawing/2010/main" xmlns="">
                 <a:solidFill>
                   <a:srgbClr val="FFFFFF"/>
                 </a:solidFill>
               </a14:hiddenFill>
             </a:ext>
             <a:ext uri="{91240B29-F687-4f45-9708-019B960494DF}">
-              <a14:hiddenLine xmlns="" xmlns:a14="http://schemas.microsoft.com/office/drawing/2010/main" w="9525">
+              <a14:hiddenLine xmlns:a14="http://schemas.microsoft.com/office/drawing/2010/main" xmlns="" w="9525">
                 <a:solidFill>
                   <a:srgbClr val="000000"/>
                 </a:solidFill>
@@ -15747,7 +15721,7 @@
           <a:graphicData uri="http://schemas.openxmlformats.org/presentationml/2006/ole">
             <mc:AlternateContent xmlns:mc="http://schemas.openxmlformats.org/markup-compatibility/2006">
               <mc:Choice xmlns:v="urn:schemas-microsoft-com:vml" Requires="v">
-                <p:oleObj spid="_x0000_s27669" name="think-cell Folie" r:id="rId5" imgW="0" imgH="0" progId="TCLayout.ActiveDocument.1">
+                <p:oleObj spid="_x0000_s27671" name="think-cell Folie" r:id="rId5" imgW="0" imgH="0" progId="TCLayout.ActiveDocument.1">
                   <p:embed/>
                 </p:oleObj>
               </mc:Choice>
@@ -15786,7 +15760,7 @@
                       <a:noFill/>
                       <a:extLst>
                         <a:ext uri="{909E8E84-426E-40dd-AFC4-6F175D3DCCD1}">
-                          <a14:hiddenFill xmlns="" xmlns:a14="http://schemas.microsoft.com/office/drawing/2010/main">
+                          <a14:hiddenFill xmlns:a14="http://schemas.microsoft.com/office/drawing/2010/main" xmlns="">
                             <a:solidFill>
                               <a:srgbClr val="FFFFFF"/>
                             </a:solidFill>
@@ -15853,14 +15827,14 @@
           </a:ln>
           <a:extLst>
             <a:ext uri="{909E8E84-426E-40dd-AFC4-6F175D3DCCD1}">
-              <a14:hiddenFill xmlns="" xmlns:a14="http://schemas.microsoft.com/office/drawing/2010/main">
+              <a14:hiddenFill xmlns:a14="http://schemas.microsoft.com/office/drawing/2010/main" xmlns="">
                 <a:solidFill>
                   <a:srgbClr val="FFFFFF"/>
                 </a:solidFill>
               </a14:hiddenFill>
             </a:ext>
             <a:ext uri="{91240B29-F687-4f45-9708-019B960494DF}">
-              <a14:hiddenLine xmlns="" xmlns:a14="http://schemas.microsoft.com/office/drawing/2010/main" w="9525">
+              <a14:hiddenLine xmlns:a14="http://schemas.microsoft.com/office/drawing/2010/main" xmlns="" w="9525">
                 <a:solidFill>
                   <a:srgbClr val="000000"/>
                 </a:solidFill>
@@ -16614,14 +16588,14 @@
             <a:effectLst/>
             <a:extLst>
               <a:ext uri="{909E8E84-426E-40dd-AFC4-6F175D3DCCD1}">
-                <a14:hiddenFill xmlns="" xmlns:a14="http://schemas.microsoft.com/office/drawing/2010/main">
+                <a14:hiddenFill xmlns:a14="http://schemas.microsoft.com/office/drawing/2010/main" xmlns="">
                   <a:solidFill>
                     <a:schemeClr val="accent1"/>
                   </a:solidFill>
                 </a14:hiddenFill>
               </a:ext>
               <a:ext uri="{AF507438-7753-43e0-B8FC-AC1667EBCBE1}">
-                <a14:hiddenEffects xmlns="" xmlns:a14="http://schemas.microsoft.com/office/drawing/2010/main">
+                <a14:hiddenEffects xmlns:a14="http://schemas.microsoft.com/office/drawing/2010/main" xmlns="">
                   <a:effectLst>
                     <a:outerShdw dist="35921" dir="2700000" algn="ctr" rotWithShape="0">
                       <a:schemeClr val="bg2"/>
@@ -16671,14 +16645,14 @@
             <a:effectLst/>
             <a:extLst>
               <a:ext uri="{909E8E84-426E-40dd-AFC4-6F175D3DCCD1}">
-                <a14:hiddenFill xmlns="" xmlns:a14="http://schemas.microsoft.com/office/drawing/2010/main">
+                <a14:hiddenFill xmlns:a14="http://schemas.microsoft.com/office/drawing/2010/main" xmlns="">
                   <a:solidFill>
                     <a:schemeClr val="accent1"/>
                   </a:solidFill>
                 </a14:hiddenFill>
               </a:ext>
               <a:ext uri="{AF507438-7753-43e0-B8FC-AC1667EBCBE1}">
-                <a14:hiddenEffects xmlns="" xmlns:a14="http://schemas.microsoft.com/office/drawing/2010/main">
+                <a14:hiddenEffects xmlns:a14="http://schemas.microsoft.com/office/drawing/2010/main" xmlns="">
                   <a:effectLst>
                     <a:outerShdw dist="35921" dir="2700000" algn="ctr" rotWithShape="0">
                       <a:schemeClr val="bg2"/>
@@ -16728,14 +16702,14 @@
             <a:effectLst/>
             <a:extLst>
               <a:ext uri="{909E8E84-426E-40dd-AFC4-6F175D3DCCD1}">
-                <a14:hiddenFill xmlns="" xmlns:a14="http://schemas.microsoft.com/office/drawing/2010/main">
+                <a14:hiddenFill xmlns:a14="http://schemas.microsoft.com/office/drawing/2010/main" xmlns="">
                   <a:solidFill>
                     <a:schemeClr val="accent1"/>
                   </a:solidFill>
                 </a14:hiddenFill>
               </a:ext>
               <a:ext uri="{AF507438-7753-43e0-B8FC-AC1667EBCBE1}">
-                <a14:hiddenEffects xmlns="" xmlns:a14="http://schemas.microsoft.com/office/drawing/2010/main">
+                <a14:hiddenEffects xmlns:a14="http://schemas.microsoft.com/office/drawing/2010/main" xmlns="">
                   <a:effectLst>
                     <a:outerShdw dist="35921" dir="2700000" algn="ctr" rotWithShape="0">
                       <a:schemeClr val="bg2"/>
@@ -16885,15 +16859,7 @@
                   <a:schemeClr val="accent1"/>
                 </a:solidFill>
               </a:rPr>
-              <a:t>S</a:t>
-            </a:r>
-            <a:r>
-              <a:rPr lang="de-DE" sz="1400" dirty="0" smtClean="0">
-                <a:solidFill>
-                  <a:schemeClr val="accent1"/>
-                </a:solidFill>
-              </a:rPr>
-              <a:t>horter </a:t>
+              <a:t>Shorter </a:t>
             </a:r>
             <a:r>
               <a:rPr lang="de-DE" sz="1400" dirty="0">
@@ -17332,11 +17298,6 @@
               </a:rPr>
               <a:t> variables:</a:t>
             </a:r>
-            <a:endParaRPr lang="de-DE" sz="1400" dirty="0" smtClean="0">
-              <a:solidFill>
-                <a:schemeClr val="accent1"/>
-              </a:solidFill>
-            </a:endParaRPr>
           </a:p>
           <a:p>
             <a:pPr marL="285750" indent="-285750">
@@ -17457,11 +17418,6 @@
               </a:rPr>
               <a:t>:</a:t>
             </a:r>
-            <a:endParaRPr lang="de-DE" sz="1400" dirty="0" smtClean="0">
-              <a:solidFill>
-                <a:schemeClr val="accent1"/>
-              </a:solidFill>
-            </a:endParaRPr>
           </a:p>
           <a:p>
             <a:pPr marL="285750" indent="-285750">
@@ -21076,9 +21032,6 @@
                 </a:rPr>
                 <a:t>. </a:t>
               </a:r>
-              <a:endParaRPr lang="de-DE" sz="1400" dirty="0">
-                <a:ea typeface="Arial" charset="0"/>
-              </a:endParaRPr>
             </a:p>
           </p:txBody>
         </p:sp>
@@ -22303,9 +22256,6 @@
                 </a:rPr>
                 <a:t>. </a:t>
               </a:r>
-              <a:endParaRPr lang="de-DE" sz="1400" dirty="0">
-                <a:ea typeface="Arial" charset="0"/>
-              </a:endParaRPr>
             </a:p>
           </p:txBody>
         </p:sp>
@@ -23987,11 +23937,6 @@
               </a:rPr>
               <a:t> 1935-1940  </a:t>
             </a:r>
-            <a:endParaRPr lang="de-DE" sz="1400" dirty="0" smtClean="0">
-              <a:solidFill>
-                <a:schemeClr val="bg1"/>
-              </a:solidFill>
-            </a:endParaRPr>
           </a:p>
         </p:txBody>
       </p:sp>
@@ -25278,11 +25223,6 @@
               </a:rPr>
               <a:t>Europe</a:t>
             </a:r>
-            <a:endParaRPr lang="de-DE" sz="2200" b="1" kern="0" smtClean="0">
-              <a:solidFill>
-                <a:schemeClr val="accent1"/>
-              </a:solidFill>
-            </a:endParaRPr>
           </a:p>
         </p:txBody>
       </p:sp>
@@ -25324,13 +25264,6 @@
               </a:rPr>
               <a:t>Y</a:t>
             </a:r>
-            <a:endParaRPr lang="de-DE" sz="2400" dirty="0">
-              <a:solidFill>
-                <a:schemeClr val="bg1"/>
-              </a:solidFill>
-              <a:latin typeface="Arial" charset="0"/>
-              <a:cs typeface="Arial" charset="0"/>
-            </a:endParaRPr>
           </a:p>
         </p:txBody>
       </p:sp>
@@ -30732,40 +30665,16 @@
           <a:lstStyle/>
           <a:p>
             <a:r>
-              <a:rPr lang="de-DE" sz="1200" smtClean="0"/>
+              <a:rPr lang="de-DE" sz="1200" dirty="0" smtClean="0"/>
               <a:t>Total </a:t>
             </a:r>
             <a:r>
-              <a:rPr lang="de-DE" sz="1200" dirty="0" err="1"/>
-              <a:t>number</a:t>
-            </a:r>
-            <a:r>
-              <a:rPr lang="de-DE" sz="1200" dirty="0"/>
-              <a:t> </a:t>
-            </a:r>
-            <a:r>
-              <a:rPr lang="de-DE" sz="1200" dirty="0" err="1"/>
-              <a:t>of</a:t>
-            </a:r>
-            <a:r>
-              <a:rPr lang="de-DE" sz="1200" dirty="0"/>
-              <a:t> </a:t>
-            </a:r>
-            <a:r>
-              <a:rPr lang="de-DE" sz="1200" dirty="0" err="1"/>
-              <a:t>people</a:t>
-            </a:r>
-            <a:r>
-              <a:rPr lang="de-DE" sz="1200" dirty="0"/>
-              <a:t> </a:t>
-            </a:r>
-            <a:r>
-              <a:rPr lang="de-DE" sz="1200" dirty="0" err="1"/>
-              <a:t>leaving</a:t>
-            </a:r>
-            <a:r>
-              <a:rPr lang="de-DE" sz="1200" dirty="0"/>
-              <a:t> </a:t>
+              <a:rPr lang="de-DE" sz="1200" dirty="0" err="1" smtClean="0"/>
+              <a:t>deaths</a:t>
+            </a:r>
+            <a:r>
+              <a:rPr lang="de-DE" sz="1200" dirty="0" smtClean="0"/>
+              <a:t> in </a:t>
             </a:r>
             <a:r>
               <a:rPr lang="de-DE" sz="1200" dirty="0" err="1" smtClean="0"/>
@@ -31653,11 +31562,6 @@
               </a:rPr>
               <a:t>Europe</a:t>
             </a:r>
-            <a:endParaRPr lang="de-DE" sz="2200" b="1" kern="0" smtClean="0">
-              <a:solidFill>
-                <a:schemeClr val="accent1"/>
-              </a:solidFill>
-            </a:endParaRPr>
           </a:p>
         </p:txBody>
       </p:sp>
@@ -31699,13 +31603,6 @@
               </a:rPr>
               <a:t>Y</a:t>
             </a:r>
-            <a:endParaRPr lang="de-DE" sz="2400" dirty="0">
-              <a:solidFill>
-                <a:schemeClr val="bg1"/>
-              </a:solidFill>
-              <a:latin typeface="Arial" charset="0"/>
-              <a:cs typeface="Arial" charset="0"/>
-            </a:endParaRPr>
           </a:p>
         </p:txBody>
       </p:sp>
@@ -34243,11 +34140,6 @@
               </a:rPr>
               <a:t>Europe</a:t>
             </a:r>
-            <a:endParaRPr lang="de-DE" sz="2200" b="1" kern="0" smtClean="0">
-              <a:solidFill>
-                <a:schemeClr val="accent1"/>
-              </a:solidFill>
-            </a:endParaRPr>
           </a:p>
         </p:txBody>
       </p:sp>
@@ -34289,13 +34181,6 @@
               </a:rPr>
               <a:t>Y</a:t>
             </a:r>
-            <a:endParaRPr lang="de-DE" sz="2400" dirty="0">
-              <a:solidFill>
-                <a:schemeClr val="bg1"/>
-              </a:solidFill>
-              <a:latin typeface="Arial" charset="0"/>
-              <a:cs typeface="Arial" charset="0"/>
-            </a:endParaRPr>
           </a:p>
         </p:txBody>
       </p:sp>
@@ -35012,11 +34897,6 @@
               </a:rPr>
               <a:t>?</a:t>
             </a:r>
-            <a:endParaRPr lang="de-DE" sz="2600" dirty="0">
-              <a:solidFill>
-                <a:schemeClr val="accent1"/>
-              </a:solidFill>
-            </a:endParaRPr>
           </a:p>
         </p:txBody>
       </p:sp>
